--- a/Documentation/final-presentation.pptx
+++ b/Documentation/final-presentation.pptx
@@ -113,6 +113,11 @@
       </a:defRPr>
     </a:lvl9pPr>
   </p:defaultTextStyle>
+  <p:extLst>
+    <p:ext uri="{EFAFB233-063F-42B5-8137-9DF3F51BA10A}">
+      <p15:sldGuideLst xmlns:p15="http://schemas.microsoft.com/office/powerpoint/2012/main"/>
+    </p:ext>
+  </p:extLst>
 </p:presentation>
 </file>
 
@@ -198,7 +203,7 @@
           <a:p>
             <a:fld id="{EBA5EA57-640C-4C38-81E4-064955D64A56}" type="datetimeFigureOut">
               <a:rPr lang="cs-CZ" smtClean="0"/>
-              <a:t>4.6.2016</a:t>
+              <a:t>7.6.2016</a:t>
             </a:fld>
             <a:endParaRPr lang="cs-CZ"/>
           </a:p>
@@ -4145,7 +4150,6 @@
               <a:rPr lang="cs-CZ" dirty="0"/>
               <a:t>.</a:t>
             </a:r>
-            <a:endParaRPr lang="cs-CZ" dirty="0"/>
           </a:p>
         </p:txBody>
       </p:sp>
@@ -4451,7 +4455,15 @@
           <a:p>
             <a:r>
               <a:rPr lang="cs-CZ" dirty="0" smtClean="0"/>
-              <a:t>Export faktur do PDF</a:t>
+              <a:t>Export faktur do </a:t>
+            </a:r>
+            <a:r>
+              <a:rPr lang="cs-CZ" dirty="0" smtClean="0"/>
+              <a:t>PDF i </a:t>
+            </a:r>
+            <a:r>
+              <a:rPr lang="cs-CZ" dirty="0" err="1" smtClean="0"/>
+              <a:t>DocBook</a:t>
             </a:r>
             <a:endParaRPr lang="cs-CZ" dirty="0"/>
           </a:p>

--- a/Documentation/final-presentation.pptx
+++ b/Documentation/final-presentation.pptx
@@ -5,7 +5,7 @@
     <p:sldMasterId id="2147483840" r:id="rId1"/>
   </p:sldMasterIdLst>
   <p:notesMasterIdLst>
-    <p:notesMasterId r:id="rId9"/>
+    <p:notesMasterId r:id="rId10"/>
   </p:notesMasterIdLst>
   <p:sldIdLst>
     <p:sldId id="256" r:id="rId2"/>
@@ -14,7 +14,8 @@
     <p:sldId id="259" r:id="rId5"/>
     <p:sldId id="260" r:id="rId6"/>
     <p:sldId id="261" r:id="rId7"/>
-    <p:sldId id="262" r:id="rId8"/>
+    <p:sldId id="264" r:id="rId8"/>
+    <p:sldId id="262" r:id="rId9"/>
   </p:sldIdLst>
   <p:sldSz cx="12192000" cy="6858000"/>
   <p:notesSz cx="6858000" cy="9144000"/>
@@ -536,7 +537,7 @@
           <a:p>
             <a:fld id="{4AF5B542-9D75-4184-9EFF-9637B38E8E2B}" type="slidenum">
               <a:rPr lang="cs-CZ" smtClean="0"/>
-              <a:t>7</a:t>
+              <a:t>8</a:t>
             </a:fld>
             <a:endParaRPr lang="cs-CZ"/>
           </a:p>
@@ -4455,11 +4456,7 @@
           <a:p>
             <a:r>
               <a:rPr lang="cs-CZ" dirty="0" smtClean="0"/>
-              <a:t>Export faktur do </a:t>
-            </a:r>
-            <a:r>
-              <a:rPr lang="cs-CZ" dirty="0" smtClean="0"/>
-              <a:t>PDF i </a:t>
+              <a:t>Export faktur do PDF i </a:t>
             </a:r>
             <a:r>
               <a:rPr lang="cs-CZ" dirty="0" err="1" smtClean="0"/>
@@ -4861,7 +4858,7 @@
           <a:p>
             <a:r>
               <a:rPr lang="cs-CZ" dirty="0" smtClean="0"/>
-              <a:t>Ukázky </a:t>
+              <a:t>Ukázky obrazovek </a:t>
             </a:r>
             <a:r>
               <a:rPr lang="en-US" dirty="0" smtClean="0"/>
@@ -4871,9 +4868,78 @@
           </a:p>
         </p:txBody>
       </p:sp>
+      <p:sp>
+        <p:nvSpPr>
+          <p:cNvPr id="8" name="Zástupný symbol pro datum 7"/>
+          <p:cNvSpPr>
+            <a:spLocks noGrp="1"/>
+          </p:cNvSpPr>
+          <p:nvPr>
+            <p:ph type="dt" sz="half" idx="10"/>
+          </p:nvPr>
+        </p:nvSpPr>
+        <p:spPr/>
+        <p:txBody>
+          <a:bodyPr/>
+          <a:lstStyle/>
+          <a:p>
+            <a:r>
+              <a:rPr lang="en-US" smtClean="0"/>
+              <a:t>7. 6. 2016</a:t>
+            </a:r>
+            <a:endParaRPr lang="en-US" dirty="0"/>
+          </a:p>
+        </p:txBody>
+      </p:sp>
+      <p:sp>
+        <p:nvSpPr>
+          <p:cNvPr id="9" name="Zástupný symbol pro zápatí 8"/>
+          <p:cNvSpPr>
+            <a:spLocks noGrp="1"/>
+          </p:cNvSpPr>
+          <p:nvPr>
+            <p:ph type="ftr" sz="quarter" idx="11"/>
+          </p:nvPr>
+        </p:nvSpPr>
+        <p:spPr/>
+        <p:txBody>
+          <a:bodyPr/>
+          <a:lstStyle/>
+          <a:p>
+            <a:r>
+              <a:rPr lang="en-US" smtClean="0"/>
+              <a:t>Evidence příjmů (web)</a:t>
+            </a:r>
+            <a:endParaRPr lang="en-US" dirty="0"/>
+          </a:p>
+        </p:txBody>
+      </p:sp>
+      <p:sp>
+        <p:nvSpPr>
+          <p:cNvPr id="10" name="Zástupný symbol pro číslo snímku 9"/>
+          <p:cNvSpPr>
+            <a:spLocks noGrp="1"/>
+          </p:cNvSpPr>
+          <p:nvPr>
+            <p:ph type="sldNum" sz="quarter" idx="12"/>
+          </p:nvPr>
+        </p:nvSpPr>
+        <p:spPr/>
+        <p:txBody>
+          <a:bodyPr/>
+          <a:lstStyle/>
+          <a:p>
+            <a:fld id="{4FAB73BC-B049-4115-A692-8D63A059BFB8}" type="slidenum">
+              <a:rPr lang="en-US" smtClean="0"/>
+              <a:t>5</a:t>
+            </a:fld>
+            <a:endParaRPr lang="en-US" dirty="0"/>
+          </a:p>
+        </p:txBody>
+      </p:sp>
       <p:pic>
         <p:nvPicPr>
-          <p:cNvPr id="6" name="Zástupný symbol pro obsah 5"/>
+          <p:cNvPr id="11" name="Zástupný symbol pro obsah 10"/>
           <p:cNvPicPr>
             <a:picLocks noGrp="1" noChangeAspect="1"/>
           </p:cNvPicPr>
@@ -4895,14 +4961,14 @@
         </p:blipFill>
         <p:spPr>
           <a:xfrm>
-            <a:off x="201386" y="2318197"/>
-            <a:ext cx="5339182" cy="2975020"/>
+            <a:off x="247259" y="2498501"/>
+            <a:ext cx="5659167" cy="2678806"/>
           </a:xfrm>
         </p:spPr>
       </p:pic>
       <p:pic>
         <p:nvPicPr>
-          <p:cNvPr id="7" name="Zástupný symbol pro obsah 6"/>
+          <p:cNvPr id="5" name="Zástupný symbol pro obsah 4"/>
           <p:cNvPicPr>
             <a:picLocks noGrp="1" noChangeAspect="1"/>
           </p:cNvPicPr>
@@ -4924,80 +4990,11 @@
         </p:blipFill>
         <p:spPr>
           <a:xfrm>
-            <a:off x="5633224" y="2293010"/>
-            <a:ext cx="6306973" cy="3090360"/>
+            <a:off x="5974040" y="2498501"/>
+            <a:ext cx="5579772" cy="2734038"/>
           </a:xfrm>
         </p:spPr>
       </p:pic>
-      <p:sp>
-        <p:nvSpPr>
-          <p:cNvPr id="8" name="Zástupný symbol pro datum 7"/>
-          <p:cNvSpPr>
-            <a:spLocks noGrp="1"/>
-          </p:cNvSpPr>
-          <p:nvPr>
-            <p:ph type="dt" sz="half" idx="10"/>
-          </p:nvPr>
-        </p:nvSpPr>
-        <p:spPr/>
-        <p:txBody>
-          <a:bodyPr/>
-          <a:lstStyle/>
-          <a:p>
-            <a:r>
-              <a:rPr lang="en-US" smtClean="0"/>
-              <a:t>7. 6. 2016</a:t>
-            </a:r>
-            <a:endParaRPr lang="en-US" dirty="0"/>
-          </a:p>
-        </p:txBody>
-      </p:sp>
-      <p:sp>
-        <p:nvSpPr>
-          <p:cNvPr id="9" name="Zástupný symbol pro zápatí 8"/>
-          <p:cNvSpPr>
-            <a:spLocks noGrp="1"/>
-          </p:cNvSpPr>
-          <p:nvPr>
-            <p:ph type="ftr" sz="quarter" idx="11"/>
-          </p:nvPr>
-        </p:nvSpPr>
-        <p:spPr/>
-        <p:txBody>
-          <a:bodyPr/>
-          <a:lstStyle/>
-          <a:p>
-            <a:r>
-              <a:rPr lang="en-US" smtClean="0"/>
-              <a:t>Evidence příjmů (web)</a:t>
-            </a:r>
-            <a:endParaRPr lang="en-US" dirty="0"/>
-          </a:p>
-        </p:txBody>
-      </p:sp>
-      <p:sp>
-        <p:nvSpPr>
-          <p:cNvPr id="10" name="Zástupný symbol pro číslo snímku 9"/>
-          <p:cNvSpPr>
-            <a:spLocks noGrp="1"/>
-          </p:cNvSpPr>
-          <p:nvPr>
-            <p:ph type="sldNum" sz="quarter" idx="12"/>
-          </p:nvPr>
-        </p:nvSpPr>
-        <p:spPr/>
-        <p:txBody>
-          <a:bodyPr/>
-          <a:lstStyle/>
-          <a:p>
-            <a:fld id="{4FAB73BC-B049-4115-A692-8D63A059BFB8}" type="slidenum">
-              <a:rPr lang="en-US" smtClean="0"/>
-              <a:t>5</a:t>
-            </a:fld>
-            <a:endParaRPr lang="en-US" dirty="0"/>
-          </a:p>
-        </p:txBody>
-      </p:sp>
     </p:spTree>
     <p:extLst>
       <p:ext uri="{BB962C8B-B14F-4D97-AF65-F5344CB8AC3E}">
@@ -5053,7 +5050,7 @@
             </a:r>
             <a:r>
               <a:rPr lang="cs-CZ" dirty="0" smtClean="0"/>
-              <a:t> </a:t>
+              <a:t> obrazovek </a:t>
             </a:r>
             <a:r>
               <a:rPr lang="en-US" dirty="0" smtClean="0"/>
@@ -5063,9 +5060,78 @@
           </a:p>
         </p:txBody>
       </p:sp>
+      <p:sp>
+        <p:nvSpPr>
+          <p:cNvPr id="17" name="Zástupný symbol pro datum 16"/>
+          <p:cNvSpPr>
+            <a:spLocks noGrp="1"/>
+          </p:cNvSpPr>
+          <p:nvPr>
+            <p:ph type="dt" sz="half" idx="10"/>
+          </p:nvPr>
+        </p:nvSpPr>
+        <p:spPr/>
+        <p:txBody>
+          <a:bodyPr/>
+          <a:lstStyle/>
+          <a:p>
+            <a:r>
+              <a:rPr lang="en-US" smtClean="0"/>
+              <a:t>7. 6. 2016</a:t>
+            </a:r>
+            <a:endParaRPr lang="en-US" dirty="0"/>
+          </a:p>
+        </p:txBody>
+      </p:sp>
+      <p:sp>
+        <p:nvSpPr>
+          <p:cNvPr id="18" name="Zástupný symbol pro zápatí 17"/>
+          <p:cNvSpPr>
+            <a:spLocks noGrp="1"/>
+          </p:cNvSpPr>
+          <p:nvPr>
+            <p:ph type="ftr" sz="quarter" idx="11"/>
+          </p:nvPr>
+        </p:nvSpPr>
+        <p:spPr/>
+        <p:txBody>
+          <a:bodyPr/>
+          <a:lstStyle/>
+          <a:p>
+            <a:r>
+              <a:rPr lang="en-US" smtClean="0"/>
+              <a:t>Evidence příjmů (web)</a:t>
+            </a:r>
+            <a:endParaRPr lang="en-US" dirty="0"/>
+          </a:p>
+        </p:txBody>
+      </p:sp>
+      <p:sp>
+        <p:nvSpPr>
+          <p:cNvPr id="19" name="Zástupný symbol pro číslo snímku 18"/>
+          <p:cNvSpPr>
+            <a:spLocks noGrp="1"/>
+          </p:cNvSpPr>
+          <p:nvPr>
+            <p:ph type="sldNum" sz="quarter" idx="12"/>
+          </p:nvPr>
+        </p:nvSpPr>
+        <p:spPr/>
+        <p:txBody>
+          <a:bodyPr/>
+          <a:lstStyle/>
+          <a:p>
+            <a:fld id="{4FAB73BC-B049-4115-A692-8D63A059BFB8}" type="slidenum">
+              <a:rPr lang="en-US" smtClean="0"/>
+              <a:t>6</a:t>
+            </a:fld>
+            <a:endParaRPr lang="en-US" dirty="0"/>
+          </a:p>
+        </p:txBody>
+      </p:sp>
       <p:pic>
         <p:nvPicPr>
-          <p:cNvPr id="13" name="Zástupný symbol pro obsah 12"/>
+          <p:cNvPr id="5" name="Zástupný symbol pro obsah 4"/>
           <p:cNvPicPr>
             <a:picLocks noGrp="1" noChangeAspect="1"/>
           </p:cNvPicPr>
@@ -5087,14 +5153,14 @@
         </p:blipFill>
         <p:spPr>
           <a:xfrm>
-            <a:off x="275614" y="2388091"/>
-            <a:ext cx="5767997" cy="2730321"/>
+            <a:off x="712240" y="1754263"/>
+            <a:ext cx="4890070" cy="4011538"/>
           </a:xfrm>
         </p:spPr>
       </p:pic>
       <p:pic>
         <p:nvPicPr>
-          <p:cNvPr id="16" name="Zástupný symbol pro obsah 15"/>
+          <p:cNvPr id="7" name="Zástupný symbol pro obsah 6"/>
           <p:cNvPicPr>
             <a:picLocks noGrp="1" noChangeAspect="1"/>
           </p:cNvPicPr>
@@ -5116,80 +5182,11 @@
         </p:blipFill>
         <p:spPr>
           <a:xfrm>
-            <a:off x="6338632" y="1425202"/>
-            <a:ext cx="5351374" cy="4451210"/>
+            <a:off x="6011862" y="1754263"/>
+            <a:ext cx="5776285" cy="3822289"/>
           </a:xfrm>
         </p:spPr>
       </p:pic>
-      <p:sp>
-        <p:nvSpPr>
-          <p:cNvPr id="17" name="Zástupný symbol pro datum 16"/>
-          <p:cNvSpPr>
-            <a:spLocks noGrp="1"/>
-          </p:cNvSpPr>
-          <p:nvPr>
-            <p:ph type="dt" sz="half" idx="10"/>
-          </p:nvPr>
-        </p:nvSpPr>
-        <p:spPr/>
-        <p:txBody>
-          <a:bodyPr/>
-          <a:lstStyle/>
-          <a:p>
-            <a:r>
-              <a:rPr lang="en-US" smtClean="0"/>
-              <a:t>7. 6. 2016</a:t>
-            </a:r>
-            <a:endParaRPr lang="en-US" dirty="0"/>
-          </a:p>
-        </p:txBody>
-      </p:sp>
-      <p:sp>
-        <p:nvSpPr>
-          <p:cNvPr id="18" name="Zástupný symbol pro zápatí 17"/>
-          <p:cNvSpPr>
-            <a:spLocks noGrp="1"/>
-          </p:cNvSpPr>
-          <p:nvPr>
-            <p:ph type="ftr" sz="quarter" idx="11"/>
-          </p:nvPr>
-        </p:nvSpPr>
-        <p:spPr/>
-        <p:txBody>
-          <a:bodyPr/>
-          <a:lstStyle/>
-          <a:p>
-            <a:r>
-              <a:rPr lang="en-US" smtClean="0"/>
-              <a:t>Evidence příjmů (web)</a:t>
-            </a:r>
-            <a:endParaRPr lang="en-US" dirty="0"/>
-          </a:p>
-        </p:txBody>
-      </p:sp>
-      <p:sp>
-        <p:nvSpPr>
-          <p:cNvPr id="19" name="Zástupný symbol pro číslo snímku 18"/>
-          <p:cNvSpPr>
-            <a:spLocks noGrp="1"/>
-          </p:cNvSpPr>
-          <p:nvPr>
-            <p:ph type="sldNum" sz="quarter" idx="12"/>
-          </p:nvPr>
-        </p:nvSpPr>
-        <p:spPr/>
-        <p:txBody>
-          <a:bodyPr/>
-          <a:lstStyle/>
-          <a:p>
-            <a:fld id="{4FAB73BC-B049-4115-A692-8D63A059BFB8}" type="slidenum">
-              <a:rPr lang="en-US" smtClean="0"/>
-              <a:t>6</a:t>
-            </a:fld>
-            <a:endParaRPr lang="en-US" dirty="0"/>
-          </a:p>
-        </p:txBody>
-      </p:sp>
     </p:spTree>
     <p:extLst>
       <p:ext uri="{BB962C8B-B14F-4D97-AF65-F5344CB8AC3E}">
@@ -5222,6 +5219,202 @@
       </p:grpSpPr>
       <p:sp>
         <p:nvSpPr>
+          <p:cNvPr id="10" name="Nadpis 9"/>
+          <p:cNvSpPr>
+            <a:spLocks noGrp="1"/>
+          </p:cNvSpPr>
+          <p:nvPr>
+            <p:ph type="title"/>
+          </p:nvPr>
+        </p:nvSpPr>
+        <p:spPr/>
+        <p:txBody>
+          <a:bodyPr/>
+          <a:lstStyle/>
+          <a:p>
+            <a:r>
+              <a:rPr lang="en-US" dirty="0" err="1" smtClean="0"/>
+              <a:t>Uk</a:t>
+            </a:r>
+            <a:r>
+              <a:rPr lang="cs-CZ" dirty="0" err="1" smtClean="0"/>
+              <a:t>ázky</a:t>
+            </a:r>
+            <a:r>
+              <a:rPr lang="en-US" dirty="0"/>
+              <a:t> </a:t>
+            </a:r>
+            <a:r>
+              <a:rPr lang="en-US" dirty="0" smtClean="0"/>
+              <a:t>v</a:t>
+            </a:r>
+            <a:r>
+              <a:rPr lang="cs-CZ" dirty="0" err="1" smtClean="0"/>
+              <a:t>ýstupů</a:t>
+            </a:r>
+            <a:endParaRPr lang="cs-CZ" dirty="0"/>
+          </a:p>
+        </p:txBody>
+      </p:sp>
+      <p:sp>
+        <p:nvSpPr>
+          <p:cNvPr id="17" name="Zástupný symbol pro datum 16"/>
+          <p:cNvSpPr>
+            <a:spLocks noGrp="1"/>
+          </p:cNvSpPr>
+          <p:nvPr>
+            <p:ph type="dt" sz="half" idx="10"/>
+          </p:nvPr>
+        </p:nvSpPr>
+        <p:spPr/>
+        <p:txBody>
+          <a:bodyPr/>
+          <a:lstStyle/>
+          <a:p>
+            <a:r>
+              <a:rPr lang="en-US" smtClean="0"/>
+              <a:t>7. 6. 2016</a:t>
+            </a:r>
+            <a:endParaRPr lang="en-US" dirty="0"/>
+          </a:p>
+        </p:txBody>
+      </p:sp>
+      <p:sp>
+        <p:nvSpPr>
+          <p:cNvPr id="18" name="Zástupný symbol pro zápatí 17"/>
+          <p:cNvSpPr>
+            <a:spLocks noGrp="1"/>
+          </p:cNvSpPr>
+          <p:nvPr>
+            <p:ph type="ftr" sz="quarter" idx="11"/>
+          </p:nvPr>
+        </p:nvSpPr>
+        <p:spPr/>
+        <p:txBody>
+          <a:bodyPr/>
+          <a:lstStyle/>
+          <a:p>
+            <a:r>
+              <a:rPr lang="en-US" smtClean="0"/>
+              <a:t>Evidence příjmů (web)</a:t>
+            </a:r>
+            <a:endParaRPr lang="en-US" dirty="0"/>
+          </a:p>
+        </p:txBody>
+      </p:sp>
+      <p:sp>
+        <p:nvSpPr>
+          <p:cNvPr id="19" name="Zástupný symbol pro číslo snímku 18"/>
+          <p:cNvSpPr>
+            <a:spLocks noGrp="1"/>
+          </p:cNvSpPr>
+          <p:nvPr>
+            <p:ph type="sldNum" sz="quarter" idx="12"/>
+          </p:nvPr>
+        </p:nvSpPr>
+        <p:spPr/>
+        <p:txBody>
+          <a:bodyPr/>
+          <a:lstStyle/>
+          <a:p>
+            <a:fld id="{4FAB73BC-B049-4115-A692-8D63A059BFB8}" type="slidenum">
+              <a:rPr lang="en-US" smtClean="0"/>
+              <a:t>7</a:t>
+            </a:fld>
+            <a:endParaRPr lang="en-US" dirty="0"/>
+          </a:p>
+        </p:txBody>
+      </p:sp>
+      <p:pic>
+        <p:nvPicPr>
+          <p:cNvPr id="4" name="Zástupný symbol pro obsah 3"/>
+          <p:cNvPicPr>
+            <a:picLocks noGrp="1" noChangeAspect="1"/>
+          </p:cNvPicPr>
+          <p:nvPr>
+            <p:ph sz="half" idx="1"/>
+          </p:nvPr>
+        </p:nvPicPr>
+        <p:blipFill>
+          <a:blip r:embed="rId2">
+            <a:extLst>
+              <a:ext uri="{28A0092B-C50C-407E-A947-70E740481C1C}">
+                <a14:useLocalDpi xmlns:a14="http://schemas.microsoft.com/office/drawing/2010/main" val="0"/>
+              </a:ext>
+            </a:extLst>
+          </a:blip>
+          <a:stretch>
+            <a:fillRect/>
+          </a:stretch>
+        </p:blipFill>
+        <p:spPr>
+          <a:xfrm>
+            <a:off x="1146221" y="1607105"/>
+            <a:ext cx="3588592" cy="4384584"/>
+          </a:xfrm>
+        </p:spPr>
+      </p:pic>
+      <p:pic>
+        <p:nvPicPr>
+          <p:cNvPr id="5" name="Zástupný symbol pro obsah 4"/>
+          <p:cNvPicPr>
+            <a:picLocks noGrp="1" noChangeAspect="1"/>
+          </p:cNvPicPr>
+          <p:nvPr>
+            <p:ph sz="half" idx="2"/>
+          </p:nvPr>
+        </p:nvPicPr>
+        <p:blipFill>
+          <a:blip r:embed="rId3">
+            <a:extLst>
+              <a:ext uri="{28A0092B-C50C-407E-A947-70E740481C1C}">
+                <a14:useLocalDpi xmlns:a14="http://schemas.microsoft.com/office/drawing/2010/main" val="0"/>
+              </a:ext>
+            </a:extLst>
+          </a:blip>
+          <a:stretch>
+            <a:fillRect/>
+          </a:stretch>
+        </p:blipFill>
+        <p:spPr>
+          <a:xfrm>
+            <a:off x="5220199" y="1584101"/>
+            <a:ext cx="5984421" cy="4403901"/>
+          </a:xfrm>
+        </p:spPr>
+      </p:pic>
+    </p:spTree>
+    <p:extLst>
+      <p:ext uri="{BB962C8B-B14F-4D97-AF65-F5344CB8AC3E}">
+        <p14:creationId xmlns:p14="http://schemas.microsoft.com/office/powerpoint/2010/main" val="495555323"/>
+      </p:ext>
+    </p:extLst>
+  </p:cSld>
+  <p:clrMapOvr>
+    <a:masterClrMapping/>
+  </p:clrMapOvr>
+</p:sld>
+</file>
+
+<file path=ppt/slides/slide8.xml><?xml version="1.0" encoding="utf-8"?>
+<p:sld xmlns:a="http://schemas.openxmlformats.org/drawingml/2006/main" xmlns:r="http://schemas.openxmlformats.org/officeDocument/2006/relationships" xmlns:p="http://schemas.openxmlformats.org/presentationml/2006/main">
+  <p:cSld>
+    <p:spTree>
+      <p:nvGrpSpPr>
+        <p:cNvPr id="1" name=""/>
+        <p:cNvGrpSpPr/>
+        <p:nvPr/>
+      </p:nvGrpSpPr>
+      <p:grpSpPr>
+        <a:xfrm>
+          <a:off x="0" y="0"/>
+          <a:ext cx="0" cy="0"/>
+          <a:chOff x="0" y="0"/>
+          <a:chExt cx="0" cy="0"/>
+        </a:xfrm>
+      </p:grpSpPr>
+      <p:sp>
+        <p:nvSpPr>
           <p:cNvPr id="5" name="Nadpis 4"/>
           <p:cNvSpPr>
             <a:spLocks noGrp="1"/>
@@ -5320,7 +5513,7 @@
           <a:p>
             <a:fld id="{4FAB73BC-B049-4115-A692-8D63A059BFB8}" type="slidenum">
               <a:rPr lang="en-US" smtClean="0"/>
-              <a:t>7</a:t>
+              <a:t>8</a:t>
             </a:fld>
             <a:endParaRPr lang="en-US" dirty="0"/>
           </a:p>
